--- a/Introduction into R/Introduction-to-R-dataAnalysis.pptx
+++ b/Introduction into R/Introduction-to-R-dataAnalysis.pptx
@@ -290,7 +290,7 @@
               <a:pPr>
                 <a:defRPr/>
               </a:pPr>
-              <a:t>19/11/2018</a:t>
+              <a:t>22/11/2019</a:t>
             </a:fld>
             <a:endParaRPr lang="en-GB" dirty="0"/>
           </a:p>
@@ -509,7 +509,7 @@
               <a:pPr>
                 <a:defRPr/>
               </a:pPr>
-              <a:t>19/11/2018</a:t>
+              <a:t>22/11/2019</a:t>
             </a:fld>
             <a:endParaRPr lang="en-GB"/>
           </a:p>
@@ -3396,6 +3396,10 @@
             <a:br>
               <a:rPr lang="de-DE" noProof="0" dirty="0"/>
             </a:br>
+            <a:r>
+              <a:rPr lang="de-DE" noProof="0" dirty="0"/>
+              <a:t/>
+            </a:r>
             <a:br>
               <a:rPr lang="de-DE" noProof="0" dirty="0"/>
             </a:br>
@@ -3817,6 +3821,10 @@
             <a:br>
               <a:rPr lang="de-DE" noProof="0" dirty="0"/>
             </a:br>
+            <a:r>
+              <a:rPr lang="de-DE" noProof="0" dirty="0"/>
+              <a:t/>
+            </a:r>
             <a:br>
               <a:rPr lang="de-DE" noProof="0" dirty="0"/>
             </a:br>
@@ -5120,51 +5128,6 @@
           </a:p>
         </p:txBody>
       </p:sp>
-      <p:pic>
-        <p:nvPicPr>
-          <p:cNvPr id="5" name="Picture 2" descr="Image result for bauhaus-luftfahrt.net logo">
-            <a:extLst>
-              <a:ext uri="{FF2B5EF4-FFF2-40B4-BE49-F238E27FC236}">
-                <a16:creationId xmlns:a16="http://schemas.microsoft.com/office/drawing/2014/main" id="{3907CDDD-8067-48E5-9D3C-5DFE0B8B11FC}"/>
-              </a:ext>
-            </a:extLst>
-          </p:cNvPr>
-          <p:cNvPicPr>
-            <a:picLocks noChangeAspect="1" noChangeArrowheads="1"/>
-          </p:cNvPicPr>
-          <p:nvPr userDrawn="1"/>
-        </p:nvPicPr>
-        <p:blipFill rotWithShape="1">
-          <a:blip r:embed="rId4">
-            <a:extLst>
-              <a:ext uri="{28A0092B-C50C-407E-A947-70E740481C1C}">
-                <a14:useLocalDpi xmlns:a14="http://schemas.microsoft.com/office/drawing/2010/main" val="0"/>
-              </a:ext>
-            </a:extLst>
-          </a:blip>
-          <a:srcRect t="34437" b="35000"/>
-          <a:stretch/>
-        </p:blipFill>
-        <p:spPr bwMode="auto">
-          <a:xfrm>
-            <a:off x="6627799" y="279743"/>
-            <a:ext cx="1342721" cy="410369"/>
-          </a:xfrm>
-          <a:prstGeom prst="rect">
-            <a:avLst/>
-          </a:prstGeom>
-          <a:noFill/>
-          <a:extLst>
-            <a:ext uri="{909E8E84-426E-40DD-AFC4-6F175D3DCCD1}">
-              <a14:hiddenFill xmlns:a14="http://schemas.microsoft.com/office/drawing/2010/main">
-                <a:solidFill>
-                  <a:srgbClr val="FFFFFF"/>
-                </a:solidFill>
-              </a14:hiddenFill>
-            </a:ext>
-          </a:extLst>
-        </p:spPr>
-      </p:pic>
     </p:spTree>
   </p:cSld>
   <p:clrMap bg1="lt1" tx1="dk1" bg2="lt2" tx2="dk2" accent1="accent1" accent2="accent2" accent3="accent3" accent4="accent4" accent5="accent5" accent6="accent6" hlink="hlink" folHlink="folHlink"/>
@@ -6429,51 +6392,6 @@
           </a:p>
         </p:txBody>
       </p:sp>
-      <p:pic>
-        <p:nvPicPr>
-          <p:cNvPr id="6" name="Picture 2" descr="Image result for bauhaus-luftfahrt.net logo">
-            <a:extLst>
-              <a:ext uri="{FF2B5EF4-FFF2-40B4-BE49-F238E27FC236}">
-                <a16:creationId xmlns:a16="http://schemas.microsoft.com/office/drawing/2014/main" id="{46C56CB1-48D3-4A43-8A2B-0BA2AFF6797C}"/>
-              </a:ext>
-            </a:extLst>
-          </p:cNvPr>
-          <p:cNvPicPr>
-            <a:picLocks noChangeAspect="1" noChangeArrowheads="1"/>
-          </p:cNvPicPr>
-          <p:nvPr userDrawn="1"/>
-        </p:nvPicPr>
-        <p:blipFill rotWithShape="1">
-          <a:blip r:embed="rId11">
-            <a:extLst>
-              <a:ext uri="{28A0092B-C50C-407E-A947-70E740481C1C}">
-                <a14:useLocalDpi xmlns:a14="http://schemas.microsoft.com/office/drawing/2010/main" val="0"/>
-              </a:ext>
-            </a:extLst>
-          </a:blip>
-          <a:srcRect t="34437" b="35000"/>
-          <a:stretch/>
-        </p:blipFill>
-        <p:spPr bwMode="auto">
-          <a:xfrm>
-            <a:off x="6627799" y="279743"/>
-            <a:ext cx="1342721" cy="410369"/>
-          </a:xfrm>
-          <a:prstGeom prst="rect">
-            <a:avLst/>
-          </a:prstGeom>
-          <a:noFill/>
-          <a:extLst>
-            <a:ext uri="{909E8E84-426E-40DD-AFC4-6F175D3DCCD1}">
-              <a14:hiddenFill xmlns:a14="http://schemas.microsoft.com/office/drawing/2010/main">
-                <a:solidFill>
-                  <a:srgbClr val="FFFFFF"/>
-                </a:solidFill>
-              </a14:hiddenFill>
-            </a:ext>
-          </a:extLst>
-        </p:spPr>
-      </p:pic>
     </p:spTree>
   </p:cSld>
   <p:clrMap bg1="lt1" tx1="dk1" bg2="lt2" tx2="dk2" accent1="accent1" accent2="accent2" accent3="accent3" accent4="accent4" accent5="accent5" accent6="accent6" hlink="hlink" folHlink="folHlink"/>
@@ -8703,7 +8621,7 @@
                 <a:hlinkClick r:id="rId3">
                   <a:extLst>
                     <a:ext uri="{A12FA001-AC4F-418D-AE19-62706E023703}">
-                      <ahyp:hlinkClr xmlns:ahyp="http://schemas.microsoft.com/office/drawing/2018/hyperlinkcolor" val="tx"/>
+                      <ahyp:hlinkClr xmlns:ahyp="http://schemas.microsoft.com/office/drawing/2018/hyperlinkcolor" xmlns="" val="tx"/>
                     </a:ext>
                   </a:extLst>
                 </a:hlinkClick>
@@ -8766,8 +8684,16 @@
           </a:p>
           <a:p>
             <a:r>
+              <a:rPr lang="en-GB" dirty="0" smtClean="0"/>
+              <a:t>25 </a:t>
+            </a:r>
+            <a:r>
               <a:rPr lang="en-GB" dirty="0"/>
-              <a:t>19 November 2018</a:t>
+              <a:t>November </a:t>
+            </a:r>
+            <a:r>
+              <a:rPr lang="en-GB" dirty="0" smtClean="0"/>
+              <a:t>2019</a:t>
             </a:r>
             <a:endParaRPr lang="en-US" dirty="0"/>
           </a:p>
@@ -9463,7 +9389,7 @@
                 <a:hlinkClick r:id="rId2">
                   <a:extLst>
                     <a:ext uri="{A12FA001-AC4F-418D-AE19-62706E023703}">
-                      <ahyp:hlinkClr xmlns:ahyp="http://schemas.microsoft.com/office/drawing/2018/hyperlinkcolor" val="tx"/>
+                      <ahyp:hlinkClr xmlns:ahyp="http://schemas.microsoft.com/office/drawing/2018/hyperlinkcolor" xmlns="" val="tx"/>
                     </a:ext>
                   </a:extLst>
                 </a:hlinkClick>
@@ -9901,7 +9827,7 @@
                 <a:hlinkClick r:id="rId2">
                   <a:extLst>
                     <a:ext uri="{A12FA001-AC4F-418D-AE19-62706E023703}">
-                      <ahyp:hlinkClr xmlns:ahyp="http://schemas.microsoft.com/office/drawing/2018/hyperlinkcolor" val="tx"/>
+                      <ahyp:hlinkClr xmlns:ahyp="http://schemas.microsoft.com/office/drawing/2018/hyperlinkcolor" xmlns="" val="tx"/>
                     </a:ext>
                   </a:extLst>
                 </a:hlinkClick>
